--- a/source/Materials/PSY_380_ECO_PSY/WEEK08/Lec13_ActionControlDynamics.pptx
+++ b/source/Materials/PSY_380_ECO_PSY/WEEK08/Lec13_ActionControlDynamics.pptx
@@ -237,7 +237,7 @@
           <a:p>
             <a:fld id="{3548A39D-76E0-B64A-9E4E-AEBC4250FD2C}" type="datetimeFigureOut">
               <a:rPr lang="en-US" smtClean="0"/>
-              <a:t>6/25/19</a:t>
+              <a:t>6/26/19</a:t>
             </a:fld>
             <a:endParaRPr lang="en-US"/>
           </a:p>
@@ -925,7 +925,7 @@
           <a:p>
             <a:fld id="{FE168996-7FDC-4347-94DE-01EABE6F2BB0}" type="datetimeFigureOut">
               <a:rPr lang="en-US" smtClean="0"/>
-              <a:t>6/25/19</a:t>
+              <a:t>6/26/19</a:t>
             </a:fld>
             <a:endParaRPr lang="en-US"/>
           </a:p>
@@ -1246,7 +1246,7 @@
           <a:p>
             <a:fld id="{FE168996-7FDC-4347-94DE-01EABE6F2BB0}" type="datetimeFigureOut">
               <a:rPr lang="en-US" smtClean="0"/>
-              <a:t>6/25/19</a:t>
+              <a:t>6/26/19</a:t>
             </a:fld>
             <a:endParaRPr lang="en-US"/>
           </a:p>
@@ -1523,7 +1523,7 @@
           <a:p>
             <a:fld id="{FE168996-7FDC-4347-94DE-01EABE6F2BB0}" type="datetimeFigureOut">
               <a:rPr lang="en-US" smtClean="0"/>
-              <a:t>6/25/19</a:t>
+              <a:t>6/26/19</a:t>
             </a:fld>
             <a:endParaRPr lang="en-US"/>
           </a:p>
@@ -1817,7 +1817,7 @@
           <a:p>
             <a:fld id="{FE168996-7FDC-4347-94DE-01EABE6F2BB0}" type="datetimeFigureOut">
               <a:rPr lang="en-US" smtClean="0"/>
-              <a:t>6/25/19</a:t>
+              <a:t>6/26/19</a:t>
             </a:fld>
             <a:endParaRPr lang="en-US"/>
           </a:p>
@@ -2146,7 +2146,7 @@
           <a:p>
             <a:fld id="{FE168996-7FDC-4347-94DE-01EABE6F2BB0}" type="datetimeFigureOut">
               <a:rPr lang="en-US" smtClean="0"/>
-              <a:t>6/25/19</a:t>
+              <a:t>6/26/19</a:t>
             </a:fld>
             <a:endParaRPr lang="en-US"/>
           </a:p>
@@ -2397,7 +2397,7 @@
           <a:p>
             <a:fld id="{FE168996-7FDC-4347-94DE-01EABE6F2BB0}" type="datetimeFigureOut">
               <a:rPr lang="en-US" smtClean="0"/>
-              <a:t>6/25/19</a:t>
+              <a:t>6/26/19</a:t>
             </a:fld>
             <a:endParaRPr lang="en-US"/>
           </a:p>
@@ -2576,7 +2576,7 @@
           <a:p>
             <a:fld id="{FE168996-7FDC-4347-94DE-01EABE6F2BB0}" type="datetimeFigureOut">
               <a:rPr lang="en-US" smtClean="0"/>
-              <a:t>6/25/19</a:t>
+              <a:t>6/26/19</a:t>
             </a:fld>
             <a:endParaRPr lang="en-US"/>
           </a:p>
@@ -2745,7 +2745,7 @@
           <a:p>
             <a:fld id="{FE168996-7FDC-4347-94DE-01EABE6F2BB0}" type="datetimeFigureOut">
               <a:rPr lang="en-US" smtClean="0"/>
-              <a:t>6/25/19</a:t>
+              <a:t>6/26/19</a:t>
             </a:fld>
             <a:endParaRPr lang="en-US"/>
           </a:p>
@@ -3014,7 +3014,7 @@
           <a:p>
             <a:fld id="{FE168996-7FDC-4347-94DE-01EABE6F2BB0}" type="datetimeFigureOut">
               <a:rPr lang="en-US" smtClean="0"/>
-              <a:t>6/25/19</a:t>
+              <a:t>6/26/19</a:t>
             </a:fld>
             <a:endParaRPr lang="en-US"/>
           </a:p>
@@ -3321,7 +3321,7 @@
           <a:p>
             <a:fld id="{FE168996-7FDC-4347-94DE-01EABE6F2BB0}" type="datetimeFigureOut">
               <a:rPr lang="en-US" smtClean="0"/>
-              <a:t>6/25/19</a:t>
+              <a:t>6/26/19</a:t>
             </a:fld>
             <a:endParaRPr lang="en-US"/>
           </a:p>
@@ -3613,7 +3613,7 @@
           <a:p>
             <a:fld id="{FE168996-7FDC-4347-94DE-01EABE6F2BB0}" type="datetimeFigureOut">
               <a:rPr lang="en-US" smtClean="0"/>
-              <a:t>6/25/19</a:t>
+              <a:t>6/26/19</a:t>
             </a:fld>
             <a:endParaRPr lang="en-US"/>
           </a:p>
@@ -4043,7 +4043,7 @@
           <a:p>
             <a:fld id="{FE168996-7FDC-4347-94DE-01EABE6F2BB0}" type="datetimeFigureOut">
               <a:rPr lang="en-US" smtClean="0"/>
-              <a:t>6/25/19</a:t>
+              <a:t>6/26/19</a:t>
             </a:fld>
             <a:endParaRPr lang="en-US"/>
           </a:p>
@@ -4389,7 +4389,7 @@
           <a:p>
             <a:fld id="{FE168996-7FDC-4347-94DE-01EABE6F2BB0}" type="datetimeFigureOut">
               <a:rPr lang="en-US" smtClean="0"/>
-              <a:t>6/25/19</a:t>
+              <a:t>6/26/19</a:t>
             </a:fld>
             <a:endParaRPr lang="en-US"/>
           </a:p>
@@ -4479,7 +4479,7 @@
           <a:p>
             <a:fld id="{FE168996-7FDC-4347-94DE-01EABE6F2BB0}" type="datetimeFigureOut">
               <a:rPr lang="en-US" smtClean="0"/>
-              <a:t>6/25/19</a:t>
+              <a:t>6/26/19</a:t>
             </a:fld>
             <a:endParaRPr lang="en-US"/>
           </a:p>
@@ -4816,7 +4816,7 @@
           <a:p>
             <a:fld id="{FE168996-7FDC-4347-94DE-01EABE6F2BB0}" type="datetimeFigureOut">
               <a:rPr lang="en-US" smtClean="0"/>
-              <a:t>6/25/19</a:t>
+              <a:t>6/26/19</a:t>
             </a:fld>
             <a:endParaRPr lang="en-US"/>
           </a:p>
@@ -5028,7 +5028,7 @@
           <a:p>
             <a:fld id="{FE168996-7FDC-4347-94DE-01EABE6F2BB0}" type="datetimeFigureOut">
               <a:rPr lang="en-US" smtClean="0"/>
-              <a:t>6/25/19</a:t>
+              <a:t>6/26/19</a:t>
             </a:fld>
             <a:endParaRPr lang="en-US"/>
           </a:p>
@@ -9148,7 +9148,7 @@
           <a:graphicData uri="http://schemas.openxmlformats.org/presentationml/2006/ole">
             <mc:AlternateContent xmlns:mc="http://schemas.openxmlformats.org/markup-compatibility/2006">
               <mc:Choice xmlns:v="urn:schemas-microsoft-com:vml" Requires="v">
-                <p:oleObj spid="_x0000_s1075" name="Equation" r:id="rId4" imgW="1295400" imgH="889000" progId="Equation.3">
+                <p:oleObj spid="_x0000_s1077" name="Equation" r:id="rId4" imgW="1295400" imgH="889000" progId="Equation.3">
                   <p:embed/>
                 </p:oleObj>
               </mc:Choice>
@@ -18105,7 +18105,7 @@
           <a:graphicData uri="http://schemas.openxmlformats.org/presentationml/2006/ole">
             <mc:AlternateContent xmlns:mc="http://schemas.openxmlformats.org/markup-compatibility/2006">
               <mc:Choice xmlns:v="urn:schemas-microsoft-com:vml" Requires="v">
-                <p:oleObj spid="_x0000_s3486" name="Equation" r:id="rId3" imgW="1955800" imgH="203200" progId="Equation.3">
+                <p:oleObj spid="_x0000_s3490" name="Equation" r:id="rId3" imgW="1955800" imgH="203200" progId="Equation.3">
                   <p:embed/>
                 </p:oleObj>
               </mc:Choice>
@@ -18162,7 +18162,7 @@
           <a:graphicData uri="http://schemas.openxmlformats.org/presentationml/2006/ole">
             <mc:AlternateContent xmlns:mc="http://schemas.openxmlformats.org/markup-compatibility/2006">
               <mc:Choice xmlns:v="urn:schemas-microsoft-com:vml" Requires="v">
-                <p:oleObj spid="_x0000_s3487" name="Equation" r:id="rId5" imgW="1574800" imgH="203200" progId="Equation.3">
+                <p:oleObj spid="_x0000_s3491" name="Equation" r:id="rId5" imgW="1574800" imgH="203200" progId="Equation.3">
                   <p:embed/>
                 </p:oleObj>
               </mc:Choice>
@@ -19161,7 +19161,7 @@
           <a:graphicData uri="http://schemas.openxmlformats.org/presentationml/2006/ole">
             <mc:AlternateContent xmlns:mc="http://schemas.openxmlformats.org/markup-compatibility/2006">
               <mc:Choice xmlns:v="urn:schemas-microsoft-com:vml" Requires="v">
-                <p:oleObj spid="_x0000_s4146" name="Equation" r:id="rId3" imgW="2857500" imgH="393700" progId="Equation.3">
+                <p:oleObj spid="_x0000_s4154" name="Equation" r:id="rId3" imgW="2857500" imgH="393700" progId="Equation.3">
                   <p:embed/>
                 </p:oleObj>
               </mc:Choice>
@@ -19218,7 +19218,7 @@
           <a:graphicData uri="http://schemas.openxmlformats.org/presentationml/2006/ole">
             <mc:AlternateContent xmlns:mc="http://schemas.openxmlformats.org/markup-compatibility/2006">
               <mc:Choice xmlns:v="urn:schemas-microsoft-com:vml" Requires="v">
-                <p:oleObj spid="_x0000_s4147" name="Equation" r:id="rId5" imgW="127000" imgH="165100" progId="Equation.3">
+                <p:oleObj spid="_x0000_s4155" name="Equation" r:id="rId5" imgW="127000" imgH="165100" progId="Equation.3">
                   <p:embed/>
                 </p:oleObj>
               </mc:Choice>
@@ -19275,7 +19275,7 @@
           <a:graphicData uri="http://schemas.openxmlformats.org/presentationml/2006/ole">
             <mc:AlternateContent xmlns:mc="http://schemas.openxmlformats.org/markup-compatibility/2006">
               <mc:Choice xmlns:v="urn:schemas-microsoft-com:vml" Requires="v">
-                <p:oleObj spid="_x0000_s4148" name="Equation" r:id="rId7" imgW="127000" imgH="139700" progId="Equation.3">
+                <p:oleObj spid="_x0000_s4156" name="Equation" r:id="rId7" imgW="127000" imgH="139700" progId="Equation.3">
                   <p:embed/>
                 </p:oleObj>
               </mc:Choice>
@@ -19577,7 +19577,7 @@
           <a:graphicData uri="http://schemas.openxmlformats.org/presentationml/2006/ole">
             <mc:AlternateContent xmlns:mc="http://schemas.openxmlformats.org/markup-compatibility/2006">
               <mc:Choice xmlns:v="urn:schemas-microsoft-com:vml" Requires="v">
-                <p:oleObj spid="_x0000_s4149" name="Equation" r:id="rId9" imgW="127000" imgH="190500" progId="Equation.3">
+                <p:oleObj spid="_x0000_s4157" name="Equation" r:id="rId9" imgW="127000" imgH="190500" progId="Equation.3">
                   <p:embed/>
                 </p:oleObj>
               </mc:Choice>
@@ -19871,6 +19871,130 @@
           </a:fontRef>
         </p:style>
       </p:cxnSp>
+      <p:sp>
+        <p:nvSpPr>
+          <p:cNvPr id="4" name="Line Callout 2 3">
+            <a:extLst>
+              <a:ext uri="{FF2B5EF4-FFF2-40B4-BE49-F238E27FC236}">
+                <a16:creationId xmlns:a16="http://schemas.microsoft.com/office/drawing/2014/main" id="{2CFC9352-B4AE-074C-9084-3D2F09AEABA4}"/>
+              </a:ext>
+            </a:extLst>
+          </p:cNvPr>
+          <p:cNvSpPr/>
+          <p:nvPr/>
+        </p:nvSpPr>
+        <p:spPr>
+          <a:xfrm>
+            <a:off x="6975814" y="2824690"/>
+            <a:ext cx="2168186" cy="803546"/>
+          </a:xfrm>
+          <a:prstGeom prst="borderCallout2">
+            <a:avLst>
+              <a:gd name="adj1" fmla="val 50910"/>
+              <a:gd name="adj2" fmla="val -2374"/>
+              <a:gd name="adj3" fmla="val 52147"/>
+              <a:gd name="adj4" fmla="val -18157"/>
+              <a:gd name="adj5" fmla="val 131270"/>
+              <a:gd name="adj6" fmla="val -33945"/>
+            </a:avLst>
+          </a:prstGeom>
+        </p:spPr>
+        <p:style>
+          <a:lnRef idx="1">
+            <a:schemeClr val="accent1"/>
+          </a:lnRef>
+          <a:fillRef idx="3">
+            <a:schemeClr val="accent1"/>
+          </a:fillRef>
+          <a:effectRef idx="2">
+            <a:schemeClr val="accent1"/>
+          </a:effectRef>
+          <a:fontRef idx="minor">
+            <a:schemeClr val="lt1"/>
+          </a:fontRef>
+        </p:style>
+        <p:txBody>
+          <a:bodyPr rtlCol="0" anchor="ctr"/>
+          <a:lstStyle/>
+          <a:p>
+            <a:pPr algn="ctr"/>
+            <a:r>
+              <a:rPr lang="en-US" altLang="zh-CN" sz="1600" b="1" dirty="0">
+                <a:latin typeface="Times New Roman" panose="02020603050405020304" pitchFamily="18" charset="0"/>
+                <a:cs typeface="Times New Roman" panose="02020603050405020304" pitchFamily="18" charset="0"/>
+              </a:rPr>
+              <a:t>Higher-order</a:t>
+            </a:r>
+            <a:r>
+              <a:rPr lang="zh-CN" altLang="en-US" sz="1600" b="1" dirty="0">
+                <a:latin typeface="Times New Roman" panose="02020603050405020304" pitchFamily="18" charset="0"/>
+                <a:cs typeface="Times New Roman" panose="02020603050405020304" pitchFamily="18" charset="0"/>
+              </a:rPr>
+              <a:t> </a:t>
+            </a:r>
+            <a:r>
+              <a:rPr lang="en-US" altLang="zh-CN" sz="1600" b="1" dirty="0">
+                <a:latin typeface="Times New Roman" panose="02020603050405020304" pitchFamily="18" charset="0"/>
+                <a:cs typeface="Times New Roman" panose="02020603050405020304" pitchFamily="18" charset="0"/>
+              </a:rPr>
+              <a:t>perceptual</a:t>
+            </a:r>
+            <a:r>
+              <a:rPr lang="zh-CN" altLang="en-US" sz="1600" b="1" dirty="0">
+                <a:latin typeface="Times New Roman" panose="02020603050405020304" pitchFamily="18" charset="0"/>
+                <a:cs typeface="Times New Roman" panose="02020603050405020304" pitchFamily="18" charset="0"/>
+              </a:rPr>
+              <a:t> </a:t>
+            </a:r>
+            <a:r>
+              <a:rPr lang="en-US" altLang="zh-CN" sz="1600" b="1" dirty="0">
+                <a:latin typeface="Times New Roman" panose="02020603050405020304" pitchFamily="18" charset="0"/>
+                <a:cs typeface="Times New Roman" panose="02020603050405020304" pitchFamily="18" charset="0"/>
+              </a:rPr>
+              <a:t>information</a:t>
+            </a:r>
+            <a:r>
+              <a:rPr lang="zh-CN" altLang="en-US" sz="1600" b="1" dirty="0">
+                <a:latin typeface="Times New Roman" panose="02020603050405020304" pitchFamily="18" charset="0"/>
+                <a:cs typeface="Times New Roman" panose="02020603050405020304" pitchFamily="18" charset="0"/>
+              </a:rPr>
+              <a:t> </a:t>
+            </a:r>
+            <a:r>
+              <a:rPr lang="en-US" altLang="zh-CN" sz="1600" b="1" dirty="0">
+                <a:latin typeface="Times New Roman" panose="02020603050405020304" pitchFamily="18" charset="0"/>
+                <a:cs typeface="Times New Roman" panose="02020603050405020304" pitchFamily="18" charset="0"/>
+              </a:rPr>
+              <a:t>(</a:t>
+            </a:r>
+            <a:r>
+              <a:rPr lang="en-US" altLang="zh-CN" sz="1600" b="1" dirty="0" err="1">
+                <a:latin typeface="Times New Roman" panose="02020603050405020304" pitchFamily="18" charset="0"/>
+                <a:cs typeface="Times New Roman" panose="02020603050405020304" pitchFamily="18" charset="0"/>
+              </a:rPr>
+              <a:t>traj</a:t>
+            </a:r>
+            <a:r>
+              <a:rPr lang="zh-CN" altLang="en-US" sz="1600" b="1" dirty="0">
+                <a:latin typeface="Times New Roman" panose="02020603050405020304" pitchFamily="18" charset="0"/>
+                <a:cs typeface="Times New Roman" panose="02020603050405020304" pitchFamily="18" charset="0"/>
+              </a:rPr>
+              <a:t> </a:t>
+            </a:r>
+            <a:r>
+              <a:rPr lang="en-US" altLang="zh-CN" sz="1600" b="1" dirty="0">
+                <a:latin typeface="Times New Roman" panose="02020603050405020304" pitchFamily="18" charset="0"/>
+                <a:cs typeface="Times New Roman" panose="02020603050405020304" pitchFamily="18" charset="0"/>
+              </a:rPr>
+              <a:t>form)</a:t>
+            </a:r>
+            <a:endParaRPr lang="en-US" sz="1600" b="1" dirty="0">
+              <a:latin typeface="Times New Roman" panose="02020603050405020304" pitchFamily="18" charset="0"/>
+              <a:cs typeface="Times New Roman" panose="02020603050405020304" pitchFamily="18" charset="0"/>
+            </a:endParaRPr>
+          </a:p>
+        </p:txBody>
+      </p:sp>
     </p:spTree>
     <p:extLst>
       <p:ext uri="{BB962C8B-B14F-4D97-AF65-F5344CB8AC3E}">
@@ -20293,6 +20417,51 @@
                       </p:childTnLst>
                     </p:cTn>
                   </p:par>
+                  <p:par>
+                    <p:cTn id="35" fill="hold">
+                      <p:stCondLst>
+                        <p:cond delay="indefinite"/>
+                      </p:stCondLst>
+                      <p:childTnLst>
+                        <p:par>
+                          <p:cTn id="36" fill="hold">
+                            <p:stCondLst>
+                              <p:cond delay="0"/>
+                            </p:stCondLst>
+                            <p:childTnLst>
+                              <p:par>
+                                <p:cTn id="37" presetID="1" presetClass="entr" presetSubtype="0" fill="hold" grpId="0" nodeType="clickEffect">
+                                  <p:stCondLst>
+                                    <p:cond delay="0"/>
+                                  </p:stCondLst>
+                                  <p:childTnLst>
+                                    <p:set>
+                                      <p:cBhvr>
+                                        <p:cTn id="38" dur="1" fill="hold">
+                                          <p:stCondLst>
+                                            <p:cond delay="0"/>
+                                          </p:stCondLst>
+                                        </p:cTn>
+                                        <p:tgtEl>
+                                          <p:spTgt spid="4"/>
+                                        </p:tgtEl>
+                                        <p:attrNameLst>
+                                          <p:attrName>style.visibility</p:attrName>
+                                        </p:attrNameLst>
+                                      </p:cBhvr>
+                                      <p:to>
+                                        <p:strVal val="visible"/>
+                                      </p:to>
+                                    </p:set>
+                                  </p:childTnLst>
+                                </p:cTn>
+                              </p:par>
+                            </p:childTnLst>
+                          </p:cTn>
+                        </p:par>
+                      </p:childTnLst>
+                    </p:cTn>
+                  </p:par>
                 </p:childTnLst>
               </p:cTn>
               <p:prevCondLst>
@@ -20318,6 +20487,7 @@
       <p:bldP spid="48" grpId="0" animBg="1"/>
       <p:bldP spid="52" grpId="0"/>
       <p:bldP spid="53" grpId="0" animBg="1"/>
+      <p:bldP spid="4" grpId="0" animBg="1"/>
     </p:bldLst>
   </p:timing>
 </p:sld>
